--- a/exercise4/Exercise_4.pptx
+++ b/exercise4/Exercise_4.pptx
@@ -5,49 +5,45 @@
     <p:sldMasterId id="2147483661" r:id="rId1"/>
   </p:sldMasterIdLst>
   <p:notesMasterIdLst>
-    <p:notesMasterId r:id="rId8"/>
+    <p:notesMasterId r:id="rId9"/>
   </p:notesMasterIdLst>
   <p:sldIdLst>
     <p:sldId id="256" r:id="rId2"/>
     <p:sldId id="311" r:id="rId3"/>
-    <p:sldId id="302" r:id="rId4"/>
-    <p:sldId id="312" r:id="rId5"/>
-    <p:sldId id="313" r:id="rId6"/>
-    <p:sldId id="314" r:id="rId7"/>
+    <p:sldId id="315" r:id="rId4"/>
+    <p:sldId id="302" r:id="rId5"/>
+    <p:sldId id="316" r:id="rId6"/>
+    <p:sldId id="317" r:id="rId7"/>
+    <p:sldId id="318" r:id="rId8"/>
   </p:sldIdLst>
   <p:sldSz cx="9144000" cy="5143500" type="screen16x9"/>
   <p:notesSz cx="6858000" cy="9144000"/>
   <p:embeddedFontLst>
     <p:embeddedFont>
-      <p:font typeface="Microsoft YaHei UI" panose="020B0503020204020204" pitchFamily="34" charset="-122"/>
-      <p:regular r:id="rId9"/>
-      <p:bold r:id="rId10"/>
+      <p:font typeface="Nunito Sans" panose="020B0604020202020204" charset="0"/>
+      <p:regular r:id="rId10"/>
+      <p:bold r:id="rId11"/>
+      <p:italic r:id="rId12"/>
+      <p:boldItalic r:id="rId13"/>
     </p:embeddedFont>
     <p:embeddedFont>
-      <p:font typeface="Nunito Sans" panose="020B0604020202020204" charset="0"/>
-      <p:regular r:id="rId11"/>
-      <p:bold r:id="rId12"/>
-      <p:italic r:id="rId13"/>
-      <p:boldItalic r:id="rId14"/>
+      <p:font typeface="Microsoft YaHei" panose="020B0503020204020204" pitchFamily="34" charset="-122"/>
+      <p:regular r:id="rId14"/>
+      <p:bold r:id="rId15"/>
     </p:embeddedFont>
     <p:embeddedFont>
       <p:font typeface="Calibri" panose="020F0502020204030204" pitchFamily="34" charset="0"/>
-      <p:regular r:id="rId15"/>
-      <p:bold r:id="rId16"/>
-      <p:italic r:id="rId17"/>
-      <p:boldItalic r:id="rId18"/>
-    </p:embeddedFont>
-    <p:embeddedFont>
-      <p:font typeface="Microsoft YaHei" panose="020B0503020204020204" pitchFamily="34" charset="-122"/>
-      <p:regular r:id="rId19"/>
-      <p:bold r:id="rId20"/>
+      <p:regular r:id="rId16"/>
+      <p:bold r:id="rId17"/>
+      <p:italic r:id="rId18"/>
+      <p:boldItalic r:id="rId19"/>
     </p:embeddedFont>
     <p:embeddedFont>
       <p:font typeface="Georgia" panose="02040502050405020303" pitchFamily="18" charset="0"/>
-      <p:regular r:id="rId21"/>
-      <p:bold r:id="rId22"/>
-      <p:italic r:id="rId23"/>
-      <p:boldItalic r:id="rId24"/>
+      <p:regular r:id="rId20"/>
+      <p:bold r:id="rId21"/>
+      <p:italic r:id="rId22"/>
+      <p:boldItalic r:id="rId23"/>
     </p:embeddedFont>
   </p:embeddedFontLst>
   <p:defaultTextStyle>
@@ -757,7 +753,7 @@
   <p:cSld>
     <p:spTree>
       <p:nvGrpSpPr>
-        <p:cNvPr id="1" name="Shape 117"/>
+        <p:cNvPr id="1" name="Shape 139"/>
         <p:cNvGrpSpPr/>
         <p:nvPr/>
       </p:nvGrpSpPr>
@@ -771,7 +767,7 @@
       </p:grpSpPr>
       <p:sp>
         <p:nvSpPr>
-          <p:cNvPr id="118" name="Shape 118"/>
+          <p:cNvPr id="140" name="Shape 140"/>
           <p:cNvSpPr>
             <a:spLocks noGrp="1" noRot="1" noChangeAspect="1"/>
           </p:cNvSpPr>
@@ -812,7 +808,7 @@
       </p:sp>
       <p:sp>
         <p:nvSpPr>
-          <p:cNvPr id="119" name="Shape 119"/>
+          <p:cNvPr id="141" name="Shape 141"/>
           <p:cNvSpPr txBox="1">
             <a:spLocks noGrp="1"/>
           </p:cNvSpPr>
@@ -848,7 +844,7 @@
     </p:spTree>
     <p:extLst>
       <p:ext uri="{BB962C8B-B14F-4D97-AF65-F5344CB8AC3E}">
-        <p14:creationId xmlns:p14="http://schemas.microsoft.com/office/powerpoint/2010/main" val="532139448"/>
+        <p14:creationId xmlns:p14="http://schemas.microsoft.com/office/powerpoint/2010/main" val="1772954849"/>
       </p:ext>
     </p:extLst>
   </p:cSld>
@@ -954,7 +950,7 @@
     </p:spTree>
     <p:extLst>
       <p:ext uri="{BB962C8B-B14F-4D97-AF65-F5344CB8AC3E}">
-        <p14:creationId xmlns:p14="http://schemas.microsoft.com/office/powerpoint/2010/main" val="606758865"/>
+        <p14:creationId xmlns:p14="http://schemas.microsoft.com/office/powerpoint/2010/main" val="532139448"/>
       </p:ext>
     </p:extLst>
   </p:cSld>
@@ -1060,7 +1056,7 @@
     </p:spTree>
     <p:extLst>
       <p:ext uri="{BB962C8B-B14F-4D97-AF65-F5344CB8AC3E}">
-        <p14:creationId xmlns:p14="http://schemas.microsoft.com/office/powerpoint/2010/main" val="3743417351"/>
+        <p14:creationId xmlns:p14="http://schemas.microsoft.com/office/powerpoint/2010/main" val="383641835"/>
       </p:ext>
     </p:extLst>
   </p:cSld>
@@ -1166,7 +1162,113 @@
     </p:spTree>
     <p:extLst>
       <p:ext uri="{BB962C8B-B14F-4D97-AF65-F5344CB8AC3E}">
-        <p14:creationId xmlns:p14="http://schemas.microsoft.com/office/powerpoint/2010/main" val="1887803755"/>
+        <p14:creationId xmlns:p14="http://schemas.microsoft.com/office/powerpoint/2010/main" val="1817010237"/>
+      </p:ext>
+    </p:extLst>
+  </p:cSld>
+  <p:clrMapOvr>
+    <a:masterClrMapping/>
+  </p:clrMapOvr>
+</p:notes>
+</file>
+
+<file path=ppt/notesSlides/notesSlide7.xml><?xml version="1.0" encoding="utf-8"?>
+<p:notes xmlns:a="http://schemas.openxmlformats.org/drawingml/2006/main" xmlns:r="http://schemas.openxmlformats.org/officeDocument/2006/relationships" xmlns:p="http://schemas.openxmlformats.org/presentationml/2006/main" showMasterSp="0" showMasterPhAnim="0">
+  <p:cSld>
+    <p:spTree>
+      <p:nvGrpSpPr>
+        <p:cNvPr id="1" name="Shape 117"/>
+        <p:cNvGrpSpPr/>
+        <p:nvPr/>
+      </p:nvGrpSpPr>
+      <p:grpSpPr>
+        <a:xfrm>
+          <a:off x="0" y="0"/>
+          <a:ext cx="0" cy="0"/>
+          <a:chOff x="0" y="0"/>
+          <a:chExt cx="0" cy="0"/>
+        </a:xfrm>
+      </p:grpSpPr>
+      <p:sp>
+        <p:nvSpPr>
+          <p:cNvPr id="118" name="Shape 118"/>
+          <p:cNvSpPr>
+            <a:spLocks noGrp="1" noRot="1" noChangeAspect="1"/>
+          </p:cNvSpPr>
+          <p:nvPr>
+            <p:ph type="sldImg" idx="2"/>
+          </p:nvPr>
+        </p:nvSpPr>
+        <p:spPr>
+          <a:xfrm>
+            <a:off x="381000" y="685800"/>
+            <a:ext cx="6096000" cy="3429000"/>
+          </a:xfrm>
+          <a:custGeom>
+            <a:avLst/>
+            <a:gdLst/>
+            <a:ahLst/>
+            <a:cxnLst/>
+            <a:rect l="0" t="0" r="0" b="0"/>
+            <a:pathLst>
+              <a:path w="120000" h="120000" extrusionOk="0">
+                <a:moveTo>
+                  <a:pt x="0" y="0"/>
+                </a:moveTo>
+                <a:lnTo>
+                  <a:pt x="120000" y="0"/>
+                </a:lnTo>
+                <a:lnTo>
+                  <a:pt x="120000" y="120000"/>
+                </a:lnTo>
+                <a:lnTo>
+                  <a:pt x="0" y="120000"/>
+                </a:lnTo>
+                <a:close/>
+              </a:path>
+            </a:pathLst>
+          </a:custGeom>
+        </p:spPr>
+      </p:sp>
+      <p:sp>
+        <p:nvSpPr>
+          <p:cNvPr id="119" name="Shape 119"/>
+          <p:cNvSpPr txBox="1">
+            <a:spLocks noGrp="1"/>
+          </p:cNvSpPr>
+          <p:nvPr>
+            <p:ph type="body" idx="1"/>
+          </p:nvPr>
+        </p:nvSpPr>
+        <p:spPr>
+          <a:xfrm>
+            <a:off x="685800" y="4343400"/>
+            <a:ext cx="5486400" cy="4114800"/>
+          </a:xfrm>
+          <a:prstGeom prst="rect">
+            <a:avLst/>
+          </a:prstGeom>
+        </p:spPr>
+        <p:txBody>
+          <a:bodyPr wrap="square" lIns="91425" tIns="91425" rIns="91425" bIns="91425" anchor="t" anchorCtr="0">
+            <a:noAutofit/>
+          </a:bodyPr>
+          <a:lstStyle/>
+          <a:p>
+            <a:pPr marL="0" lvl="0" indent="0">
+              <a:spcBef>
+                <a:spcPts val="0"/>
+              </a:spcBef>
+              <a:buNone/>
+            </a:pPr>
+            <a:endParaRPr/>
+          </a:p>
+        </p:txBody>
+      </p:sp>
+    </p:spTree>
+    <p:extLst>
+      <p:ext uri="{BB962C8B-B14F-4D97-AF65-F5344CB8AC3E}">
+        <p14:creationId xmlns:p14="http://schemas.microsoft.com/office/powerpoint/2010/main" val="1672608575"/>
       </p:ext>
     </p:extLst>
   </p:cSld>
@@ -3235,6 +3337,323 @@
 </p:sldLayout>
 </file>
 
+<file path=ppt/slideLayouts/slideLayout5.xml><?xml version="1.0" encoding="utf-8"?>
+<p:sldLayout xmlns:a="http://schemas.openxmlformats.org/drawingml/2006/main" xmlns:r="http://schemas.openxmlformats.org/officeDocument/2006/relationships" xmlns:p="http://schemas.openxmlformats.org/presentationml/2006/main">
+  <p:cSld name="Quote">
+    <p:spTree>
+      <p:nvGrpSpPr>
+        <p:cNvPr id="1" name="Shape 26"/>
+        <p:cNvGrpSpPr/>
+        <p:nvPr/>
+      </p:nvGrpSpPr>
+      <p:grpSpPr>
+        <a:xfrm>
+          <a:off x="0" y="0"/>
+          <a:ext cx="0" cy="0"/>
+          <a:chOff x="0" y="0"/>
+          <a:chExt cx="0" cy="0"/>
+        </a:xfrm>
+      </p:grpSpPr>
+      <p:sp>
+        <p:nvSpPr>
+          <p:cNvPr id="27" name="Shape 27"/>
+          <p:cNvSpPr/>
+          <p:nvPr/>
+        </p:nvSpPr>
+        <p:spPr>
+          <a:xfrm rot="5400000" flipH="1">
+            <a:off x="4518950" y="-3360875"/>
+            <a:ext cx="113100" cy="9151200"/>
+          </a:xfrm>
+          <a:prstGeom prst="rect">
+            <a:avLst/>
+          </a:prstGeom>
+          <a:gradFill>
+            <a:gsLst>
+              <a:gs pos="0">
+                <a:srgbClr val="000014">
+                  <a:alpha val="20000"/>
+                </a:srgbClr>
+              </a:gs>
+              <a:gs pos="100000">
+                <a:srgbClr val="000014">
+                  <a:alpha val="0"/>
+                </a:srgbClr>
+              </a:gs>
+            </a:gsLst>
+            <a:lin ang="0" scaled="0"/>
+          </a:gradFill>
+          <a:ln>
+            <a:noFill/>
+          </a:ln>
+        </p:spPr>
+        <p:txBody>
+          <a:bodyPr wrap="square" lIns="91425" tIns="45700" rIns="91425" bIns="45700" anchor="ctr" anchorCtr="0">
+            <a:noAutofit/>
+          </a:bodyPr>
+          <a:lstStyle/>
+          <a:p>
+            <a:pPr marL="0" marR="0" lvl="0" indent="0" algn="ctr" rtl="0">
+              <a:spcBef>
+                <a:spcPts val="0"/>
+              </a:spcBef>
+              <a:buNone/>
+            </a:pPr>
+            <a:endParaRPr sz="1800">
+              <a:solidFill>
+                <a:srgbClr val="FFFFFF"/>
+              </a:solidFill>
+              <a:latin typeface="Calibri"/>
+              <a:ea typeface="Calibri"/>
+              <a:cs typeface="Calibri"/>
+              <a:sym typeface="Calibri"/>
+            </a:endParaRPr>
+          </a:p>
+        </p:txBody>
+      </p:sp>
+      <p:sp>
+        <p:nvSpPr>
+          <p:cNvPr id="28" name="Shape 28"/>
+          <p:cNvSpPr/>
+          <p:nvPr/>
+        </p:nvSpPr>
+        <p:spPr>
+          <a:xfrm>
+            <a:off x="-7125" y="1271275"/>
+            <a:ext cx="9151200" cy="3872100"/>
+          </a:xfrm>
+          <a:prstGeom prst="rect">
+            <a:avLst/>
+          </a:prstGeom>
+          <a:solidFill>
+            <a:srgbClr val="FFFFFF"/>
+          </a:solidFill>
+          <a:ln>
+            <a:noFill/>
+          </a:ln>
+        </p:spPr>
+        <p:txBody>
+          <a:bodyPr wrap="square" lIns="91425" tIns="91425" rIns="91425" bIns="91425" anchor="ctr" anchorCtr="0">
+            <a:noAutofit/>
+          </a:bodyPr>
+          <a:lstStyle/>
+          <a:p>
+            <a:pPr marL="0" lvl="0" indent="0">
+              <a:spcBef>
+                <a:spcPts val="0"/>
+              </a:spcBef>
+              <a:buNone/>
+            </a:pPr>
+            <a:endParaRPr/>
+          </a:p>
+        </p:txBody>
+      </p:sp>
+      <p:sp>
+        <p:nvSpPr>
+          <p:cNvPr id="29" name="Shape 29"/>
+          <p:cNvSpPr txBox="1">
+            <a:spLocks noGrp="1"/>
+          </p:cNvSpPr>
+          <p:nvPr>
+            <p:ph type="body" idx="1"/>
+          </p:nvPr>
+        </p:nvSpPr>
+        <p:spPr>
+          <a:xfrm>
+            <a:off x="1847275" y="1704600"/>
+            <a:ext cx="5449500" cy="2714700"/>
+          </a:xfrm>
+          <a:prstGeom prst="rect">
+            <a:avLst/>
+          </a:prstGeom>
+        </p:spPr>
+        <p:txBody>
+          <a:bodyPr wrap="square" lIns="91425" tIns="91425" rIns="91425" bIns="91425" anchor="t" anchorCtr="0"/>
+          <a:lstStyle>
+            <a:lvl1pPr lvl="0" algn="ctr" rtl="0">
+              <a:spcBef>
+                <a:spcPts val="0"/>
+              </a:spcBef>
+              <a:buSzPts val="2400"/>
+              <a:buFont typeface="Georgia"/>
+              <a:buChar char="▪"/>
+              <a:defRPr sz="2400" i="1">
+                <a:latin typeface="Georgia"/>
+                <a:ea typeface="Georgia"/>
+                <a:cs typeface="Georgia"/>
+                <a:sym typeface="Georgia"/>
+              </a:defRPr>
+            </a:lvl1pPr>
+            <a:lvl2pPr lvl="1" algn="ctr" rtl="0">
+              <a:spcBef>
+                <a:spcPts val="0"/>
+              </a:spcBef>
+              <a:buSzPts val="2400"/>
+              <a:buFont typeface="Georgia"/>
+              <a:buChar char="-"/>
+              <a:defRPr sz="2400" i="1">
+                <a:latin typeface="Georgia"/>
+                <a:ea typeface="Georgia"/>
+                <a:cs typeface="Georgia"/>
+                <a:sym typeface="Georgia"/>
+              </a:defRPr>
+            </a:lvl2pPr>
+            <a:lvl3pPr lvl="2" algn="ctr" rtl="0">
+              <a:spcBef>
+                <a:spcPts val="0"/>
+              </a:spcBef>
+              <a:buSzPts val="2400"/>
+              <a:buFont typeface="Georgia"/>
+              <a:buChar char="-"/>
+              <a:defRPr sz="2400" i="1">
+                <a:latin typeface="Georgia"/>
+                <a:ea typeface="Georgia"/>
+                <a:cs typeface="Georgia"/>
+                <a:sym typeface="Georgia"/>
+              </a:defRPr>
+            </a:lvl3pPr>
+            <a:lvl4pPr lvl="3" algn="ctr" rtl="0">
+              <a:spcBef>
+                <a:spcPts val="0"/>
+              </a:spcBef>
+              <a:buSzPts val="2400"/>
+              <a:buFont typeface="Georgia"/>
+              <a:buChar char="-"/>
+              <a:defRPr sz="2400" i="1">
+                <a:latin typeface="Georgia"/>
+                <a:ea typeface="Georgia"/>
+                <a:cs typeface="Georgia"/>
+                <a:sym typeface="Georgia"/>
+              </a:defRPr>
+            </a:lvl4pPr>
+            <a:lvl5pPr lvl="4" algn="ctr" rtl="0">
+              <a:spcBef>
+                <a:spcPts val="0"/>
+              </a:spcBef>
+              <a:buSzPts val="2400"/>
+              <a:buFont typeface="Georgia"/>
+              <a:buChar char="-"/>
+              <a:defRPr sz="2400" i="1">
+                <a:latin typeface="Georgia"/>
+                <a:ea typeface="Georgia"/>
+                <a:cs typeface="Georgia"/>
+                <a:sym typeface="Georgia"/>
+              </a:defRPr>
+            </a:lvl5pPr>
+            <a:lvl6pPr lvl="5" algn="ctr" rtl="0">
+              <a:spcBef>
+                <a:spcPts val="0"/>
+              </a:spcBef>
+              <a:buSzPts val="2400"/>
+              <a:buFont typeface="Georgia"/>
+              <a:buChar char="-"/>
+              <a:defRPr sz="2400" i="1">
+                <a:latin typeface="Georgia"/>
+                <a:ea typeface="Georgia"/>
+                <a:cs typeface="Georgia"/>
+                <a:sym typeface="Georgia"/>
+              </a:defRPr>
+            </a:lvl6pPr>
+            <a:lvl7pPr lvl="6" algn="ctr" rtl="0">
+              <a:spcBef>
+                <a:spcPts val="0"/>
+              </a:spcBef>
+              <a:buSzPts val="2400"/>
+              <a:buFont typeface="Georgia"/>
+              <a:buChar char="-"/>
+              <a:defRPr sz="2400" i="1">
+                <a:latin typeface="Georgia"/>
+                <a:ea typeface="Georgia"/>
+                <a:cs typeface="Georgia"/>
+                <a:sym typeface="Georgia"/>
+              </a:defRPr>
+            </a:lvl7pPr>
+            <a:lvl8pPr lvl="7" algn="ctr" rtl="0">
+              <a:spcBef>
+                <a:spcPts val="0"/>
+              </a:spcBef>
+              <a:buSzPts val="2400"/>
+              <a:buFont typeface="Georgia"/>
+              <a:buChar char="-"/>
+              <a:defRPr sz="2400" i="1">
+                <a:latin typeface="Georgia"/>
+                <a:ea typeface="Georgia"/>
+                <a:cs typeface="Georgia"/>
+                <a:sym typeface="Georgia"/>
+              </a:defRPr>
+            </a:lvl8pPr>
+            <a:lvl9pPr lvl="8" algn="ctr">
+              <a:spcBef>
+                <a:spcPts val="0"/>
+              </a:spcBef>
+              <a:buSzPts val="2400"/>
+              <a:buFont typeface="Georgia"/>
+              <a:buChar char="-"/>
+              <a:defRPr sz="2400" i="1">
+                <a:latin typeface="Georgia"/>
+                <a:ea typeface="Georgia"/>
+                <a:cs typeface="Georgia"/>
+                <a:sym typeface="Georgia"/>
+              </a:defRPr>
+            </a:lvl9pPr>
+          </a:lstStyle>
+          <a:p>
+            <a:endParaRPr/>
+          </a:p>
+        </p:txBody>
+      </p:sp>
+      <p:sp>
+        <p:nvSpPr>
+          <p:cNvPr id="31" name="Shape 31"/>
+          <p:cNvSpPr txBox="1">
+            <a:spLocks noGrp="1"/>
+          </p:cNvSpPr>
+          <p:nvPr>
+            <p:ph type="sldNum" idx="12"/>
+          </p:nvPr>
+        </p:nvSpPr>
+        <p:spPr>
+          <a:xfrm>
+            <a:off x="8556784" y="4749851"/>
+            <a:ext cx="548700" cy="393600"/>
+          </a:xfrm>
+          <a:prstGeom prst="rect">
+            <a:avLst/>
+          </a:prstGeom>
+        </p:spPr>
+        <p:txBody>
+          <a:bodyPr wrap="square" lIns="91425" tIns="91425" rIns="91425" bIns="91425" anchor="ctr" anchorCtr="0">
+            <a:noAutofit/>
+          </a:bodyPr>
+          <a:lstStyle/>
+          <a:p>
+            <a:pPr marL="0" lvl="0" indent="0">
+              <a:spcBef>
+                <a:spcPts val="0"/>
+              </a:spcBef>
+              <a:buNone/>
+            </a:pPr>
+            <a:fld id="{00000000-1234-1234-1234-123412341234}" type="slidenum">
+              <a:rPr lang="en"/>
+              <a:t>‹#›</a:t>
+            </a:fld>
+            <a:endParaRPr lang="en"/>
+          </a:p>
+        </p:txBody>
+      </p:sp>
+    </p:spTree>
+    <p:extLst>
+      <p:ext uri="{BB962C8B-B14F-4D97-AF65-F5344CB8AC3E}">
+        <p14:creationId xmlns:p14="http://schemas.microsoft.com/office/powerpoint/2010/main" val="1434916283"/>
+      </p:ext>
+    </p:extLst>
+  </p:cSld>
+  <p:clrMapOvr>
+    <a:masterClrMapping/>
+  </p:clrMapOvr>
+</p:sldLayout>
+</file>
+
 <file path=ppt/slideMasters/slideMaster1.xml><?xml version="1.0" encoding="utf-8"?>
 <p:sldMaster xmlns:a="http://schemas.openxmlformats.org/drawingml/2006/main" xmlns:r="http://schemas.openxmlformats.org/officeDocument/2006/relationships" xmlns:p="http://schemas.openxmlformats.org/presentationml/2006/main">
   <p:cSld name="simple-light">
@@ -3778,6 +4197,7 @@
     <p:sldLayoutId id="2147483657" r:id="rId2"/>
     <p:sldLayoutId id="2147483662" r:id="rId3"/>
     <p:sldLayoutId id="2147483663" r:id="rId4"/>
+    <p:sldLayoutId id="2147483664" r:id="rId5"/>
   </p:sldLayoutIdLst>
   <p:transition>
     <p:fade thruBlk="1"/>
@@ -4292,8 +4712,12 @@
               <a:t>Exercise </a:t>
             </a:r>
             <a:r>
+              <a:rPr lang="en" dirty="0"/>
+              <a:t>4</a:t>
+            </a:r>
+            <a:r>
               <a:rPr lang="en" dirty="0" smtClean="0"/>
-              <a:t>4:</a:t>
+              <a:t>:</a:t>
             </a:r>
             <a:r>
               <a:rPr lang="en" dirty="0" smtClean="0"/>
@@ -4304,7 +4728,7 @@
             </a:br>
             <a:r>
               <a:rPr lang="en" dirty="0" smtClean="0"/>
-              <a:t>Pomodoro App</a:t>
+              <a:t>Task List Web App</a:t>
             </a:r>
             <a:endParaRPr lang="en" dirty="0"/>
           </a:p>
@@ -5427,8 +5851,29 @@
                 <a:cs typeface="Nunito Sans"/>
                 <a:sym typeface="Nunito Sans"/>
               </a:rPr>
-              <a:t>Download Python</a:t>
-            </a:r>
+              <a:t>Download </a:t>
+            </a:r>
+            <a:r>
+              <a:rPr lang="en" sz="1050" i="0" dirty="0" smtClean="0">
+                <a:solidFill>
+                  <a:srgbClr val="666666"/>
+                </a:solidFill>
+                <a:latin typeface="Nunito Sans"/>
+                <a:ea typeface="Nunito Sans"/>
+                <a:cs typeface="Nunito Sans"/>
+                <a:sym typeface="Nunito Sans"/>
+              </a:rPr>
+              <a:t>Chrome</a:t>
+            </a:r>
+            <a:endParaRPr lang="en" sz="1050" i="0" dirty="0" smtClean="0">
+              <a:solidFill>
+                <a:srgbClr val="666666"/>
+              </a:solidFill>
+              <a:latin typeface="Nunito Sans"/>
+              <a:ea typeface="Nunito Sans"/>
+              <a:cs typeface="Nunito Sans"/>
+              <a:sym typeface="Nunito Sans"/>
+            </a:endParaRPr>
           </a:p>
           <a:p>
             <a:pPr lvl="0" algn="just">
@@ -5457,61 +5902,14 @@
                 <a:sym typeface="Nunito Sans"/>
                 <a:hlinkClick r:id="rId5"/>
               </a:rPr>
-              <a:t>https://www.python.org/downloads/</a:t>
-            </a:r>
-            <a:r>
-              <a:rPr lang="it-IT" sz="1050" dirty="0">
-                <a:sym typeface="Nunito Sans"/>
-              </a:rPr>
-              <a:t> </a:t>
-            </a:r>
-            <a:endParaRPr lang="en" sz="1050" dirty="0">
-              <a:sym typeface="Nunito Sans"/>
-            </a:endParaRPr>
-          </a:p>
-          <a:p>
-            <a:pPr marL="342900" lvl="0" indent="-342900" algn="just">
-              <a:buFont typeface="+mj-lt"/>
-              <a:buAutoNum type="arabicPeriod" startAt="6"/>
-            </a:pPr>
-            <a:r>
-              <a:rPr lang="en" sz="1050" i="0" dirty="0" smtClean="0">
-                <a:solidFill>
-                  <a:srgbClr val="666666"/>
-                </a:solidFill>
-                <a:latin typeface="Nunito Sans"/>
-                <a:ea typeface="Nunito Sans"/>
-                <a:cs typeface="Nunito Sans"/>
-                <a:sym typeface="Nunito Sans"/>
-              </a:rPr>
-              <a:t>Donwload one code editor like Eclipse or PyCharm</a:t>
-            </a:r>
-            <a:endParaRPr lang="en" sz="1050" i="0" dirty="0">
-              <a:solidFill>
-                <a:srgbClr val="666666"/>
-              </a:solidFill>
-              <a:latin typeface="Nunito Sans"/>
-              <a:ea typeface="Nunito Sans"/>
-              <a:cs typeface="Nunito Sans"/>
-              <a:sym typeface="Nunito Sans"/>
-            </a:endParaRPr>
-          </a:p>
-          <a:p>
-            <a:pPr lvl="0" algn="just">
-              <a:buNone/>
-            </a:pPr>
-            <a:r>
-              <a:rPr lang="en" sz="1200" dirty="0" smtClean="0">
-                <a:sym typeface="Nunito Sans"/>
-              </a:rPr>
-              <a:t>	e.g </a:t>
+              <a:t>https://</a:t>
             </a:r>
             <a:r>
               <a:rPr lang="it-IT" sz="1050" dirty="0" smtClean="0">
                 <a:sym typeface="Nunito Sans"/>
-                <a:hlinkClick r:id="rId6"/>
+                <a:hlinkClick r:id="rId5"/>
               </a:rPr>
-              <a:t>https://www.jetbrains.com/pycharm/download</a:t>
+              <a:t>www.google.ca/intl/en/chrome/browser/desktop/index.html</a:t>
             </a:r>
             <a:r>
               <a:rPr lang="it-IT" sz="1050" dirty="0" smtClean="0">
@@ -5519,37 +5917,7 @@
               </a:rPr>
               <a:t> </a:t>
             </a:r>
-          </a:p>
-          <a:p>
-            <a:pPr lvl="0" algn="just">
-              <a:buNone/>
-            </a:pPr>
-            <a:r>
-              <a:rPr lang="en" sz="1050" i="0" dirty="0" smtClean="0">
-                <a:solidFill>
-                  <a:srgbClr val="666666"/>
-                </a:solidFill>
-                <a:latin typeface="Nunito Sans"/>
-                <a:ea typeface="Nunito Sans"/>
-                <a:cs typeface="Nunito Sans"/>
-                <a:sym typeface="Nunito Sans"/>
-              </a:rPr>
-              <a:t>	       </a:t>
-            </a:r>
-            <a:r>
-              <a:rPr lang="it-IT" sz="1050" dirty="0" smtClean="0">
-                <a:sym typeface="Nunito Sans"/>
-                <a:hlinkClick r:id="rId7"/>
-              </a:rPr>
-              <a:t>https://www.eclipse.org/downloads/eclipse-packages/</a:t>
-            </a:r>
-            <a:r>
-              <a:rPr lang="it-IT" sz="1050" dirty="0" smtClean="0">
-                <a:sym typeface="Nunito Sans"/>
-              </a:rPr>
-              <a:t> </a:t>
-            </a:r>
-            <a:endParaRPr lang="en" sz="1050" dirty="0" smtClean="0">
+            <a:endParaRPr lang="en" sz="1050" dirty="0">
               <a:sym typeface="Nunito Sans"/>
             </a:endParaRPr>
           </a:p>
@@ -5845,7 +6213,7 @@
           <p:nvPr/>
         </p:nvPicPr>
         <p:blipFill rotWithShape="1">
-          <a:blip r:embed="rId8"/>
+          <a:blip r:embed="rId6"/>
           <a:srcRect t="41870"/>
           <a:stretch/>
         </p:blipFill>
@@ -5877,7 +6245,7 @@
   <p:cSld>
     <p:spTree>
       <p:nvGrpSpPr>
-        <p:cNvPr id="1" name="Shape 120"/>
+        <p:cNvPr id="1" name="Shape 142"/>
         <p:cNvGrpSpPr/>
         <p:nvPr/>
       </p:nvGrpSpPr>
@@ -5891,18 +6259,51 @@
       </p:grpSpPr>
       <p:sp>
         <p:nvSpPr>
-          <p:cNvPr id="121" name="Shape 121"/>
+          <p:cNvPr id="144" name="Shape 144"/>
           <p:cNvSpPr txBox="1">
             <a:spLocks noGrp="1"/>
           </p:cNvSpPr>
           <p:nvPr>
-            <p:ph type="title"/>
+            <p:ph type="sldNum" idx="12"/>
           </p:nvPr>
         </p:nvSpPr>
         <p:spPr>
+          <a:prstGeom prst="rect">
+            <a:avLst/>
+          </a:prstGeom>
+        </p:spPr>
+        <p:txBody>
+          <a:bodyPr wrap="square" lIns="91425" tIns="91425" rIns="91425" bIns="91425" anchor="ctr" anchorCtr="0">
+            <a:noAutofit/>
+          </a:bodyPr>
+          <a:lstStyle/>
+          <a:p>
+            <a:pPr marL="0" lvl="0" indent="0">
+              <a:spcBef>
+                <a:spcPts val="0"/>
+              </a:spcBef>
+              <a:buNone/>
+            </a:pPr>
+            <a:fld id="{00000000-1234-1234-1234-123412341234}" type="slidenum">
+              <a:rPr lang="en"/>
+              <a:t>3</a:t>
+            </a:fld>
+            <a:endParaRPr lang="en"/>
+          </a:p>
+        </p:txBody>
+      </p:sp>
+      <p:sp>
+        <p:nvSpPr>
+          <p:cNvPr id="6" name="Shape 104"/>
+          <p:cNvSpPr txBox="1">
+            <a:spLocks/>
+          </p:cNvSpPr>
+          <p:nvPr/>
+        </p:nvSpPr>
+        <p:spPr>
           <a:xfrm>
-            <a:off x="646573" y="1016000"/>
-            <a:ext cx="3246900" cy="973500"/>
+            <a:off x="234449" y="144726"/>
+            <a:ext cx="8514845" cy="1065704"/>
           </a:xfrm>
           <a:prstGeom prst="rect">
             <a:avLst/>
@@ -5912,220 +6313,98 @@
           <a:bodyPr wrap="square" lIns="91425" tIns="91425" rIns="91425" bIns="91425" anchor="t" anchorCtr="0">
             <a:noAutofit/>
           </a:bodyPr>
-          <a:lstStyle/>
-          <a:p>
-            <a:pPr marL="0" lvl="0" indent="0">
-              <a:spcBef>
-                <a:spcPts val="0"/>
-              </a:spcBef>
-              <a:buNone/>
+          <a:lstStyle>
+            <a:defPPr marR="0" lvl="0" algn="l" rtl="0">
+              <a:lnSpc>
+                <a:spcPct val="100000"/>
+              </a:lnSpc>
+              <a:spcBef>
+                <a:spcPts val="0"/>
+              </a:spcBef>
+              <a:spcAft>
+                <a:spcPts val="0"/>
+              </a:spcAft>
+            </a:defPPr>
+            <a:lvl1pPr marR="0" lvl="0" algn="l" rtl="0">
+              <a:lnSpc>
+                <a:spcPct val="100000"/>
+              </a:lnSpc>
+              <a:spcBef>
+                <a:spcPts val="0"/>
+              </a:spcBef>
+              <a:spcAft>
+                <a:spcPts val="0"/>
+              </a:spcAft>
+              <a:buNone/>
+              <a:defRPr sz="1400" b="0" i="0" u="none" strike="noStrike" cap="none">
+                <a:solidFill>
+                  <a:srgbClr val="000000"/>
+                </a:solidFill>
+                <a:latin typeface="Arial"/>
+                <a:ea typeface="Arial"/>
+                <a:cs typeface="Arial"/>
+                <a:sym typeface="Arial"/>
+              </a:defRPr>
+            </a:lvl1pPr>
+          </a:lstStyle>
+          <a:p>
+            <a:pPr>
+              <a:buClr>
+                <a:srgbClr val="FFFFFF"/>
+              </a:buClr>
+              <a:buSzPts val="2400"/>
             </a:pPr>
             <a:r>
-              <a:rPr lang="en" dirty="0" smtClean="0"/>
-              <a:t>Pomodoro Timer</a:t>
-            </a:r>
-            <a:endParaRPr lang="en" dirty="0"/>
-          </a:p>
-        </p:txBody>
-      </p:sp>
-      <p:sp>
-        <p:nvSpPr>
-          <p:cNvPr id="122" name="Shape 122"/>
-          <p:cNvSpPr txBox="1">
-            <a:spLocks noGrp="1"/>
-          </p:cNvSpPr>
-          <p:nvPr>
-            <p:ph type="body" idx="2"/>
-          </p:nvPr>
-        </p:nvSpPr>
-        <p:spPr>
-          <a:xfrm>
-            <a:off x="4512794" y="364994"/>
-            <a:ext cx="4526906" cy="4489877"/>
-          </a:xfrm>
-          <a:prstGeom prst="rect">
-            <a:avLst/>
-          </a:prstGeom>
-        </p:spPr>
-        <p:txBody>
-          <a:bodyPr wrap="square" lIns="91425" tIns="91425" rIns="91425" bIns="91425" anchor="t" anchorCtr="0">
-            <a:noAutofit/>
-          </a:bodyPr>
-          <a:lstStyle/>
-          <a:p>
-            <a:pPr marL="457200" lvl="0" indent="-342900"/>
-            <a:r>
-              <a:rPr lang="it-IT" dirty="0" smtClean="0">
-                <a:latin typeface="Microsoft YaHei" panose="020B0503020204020204" pitchFamily="34" charset="-122"/>
-                <a:ea typeface="Microsoft YaHei" panose="020B0503020204020204" pitchFamily="34" charset="-122"/>
+              <a:rPr lang="en-US" sz="2000" i="1" dirty="0" smtClean="0">
+                <a:solidFill>
+                  <a:srgbClr val="FFFFFF"/>
+                </a:solidFill>
+                <a:latin typeface="Nunito Sans"/>
+                <a:ea typeface="Nunito Sans"/>
+                <a:cs typeface="Nunito Sans"/>
+                <a:sym typeface="Nunito Sans"/>
               </a:rPr>
-              <a:t>__</a:t>
-            </a:r>
-            <a:r>
-              <a:rPr lang="it-IT" dirty="0" smtClean="0"/>
-              <a:t>init</a:t>
-            </a:r>
-            <a:r>
-              <a:rPr lang="it-IT" dirty="0" smtClean="0">
-                <a:latin typeface="Microsoft YaHei UI" panose="020B0503020204020204" pitchFamily="34" charset="-122"/>
-                <a:ea typeface="Microsoft YaHei UI" panose="020B0503020204020204" pitchFamily="34" charset="-122"/>
+              <a:t>Model-Viewer-Controller separated the user </a:t>
+            </a:r>
+            <a:r>
+              <a:rPr lang="en-US" sz="2000" i="1" dirty="0" smtClean="0">
+                <a:solidFill>
+                  <a:srgbClr val="FFFFFF"/>
+                </a:solidFill>
+                <a:latin typeface="Nunito Sans"/>
+                <a:ea typeface="Nunito Sans"/>
+                <a:cs typeface="Nunito Sans"/>
+                <a:sym typeface="Nunito Sans"/>
               </a:rPr>
-              <a:t>__</a:t>
-            </a:r>
-            <a:r>
-              <a:rPr lang="it-IT" dirty="0" smtClean="0"/>
-              <a:t>(.): </a:t>
-            </a:r>
-          </a:p>
-          <a:p>
-            <a:pPr marL="285750" lvl="1" indent="-285750">
-              <a:buFont typeface="Arial" panose="020B0604020202020204" pitchFamily="34" charset="0"/>
-              <a:buChar char="•"/>
-            </a:pPr>
-            <a:r>
-              <a:rPr lang="it-IT" dirty="0" smtClean="0"/>
-              <a:t>initMenuBar(): initialize the App Menu Bar</a:t>
-            </a:r>
-          </a:p>
-          <a:p>
-            <a:pPr marL="285750" lvl="1" indent="-285750">
-              <a:buFont typeface="Arial" panose="020B0604020202020204" pitchFamily="34" charset="0"/>
-              <a:buChar char="•"/>
-            </a:pPr>
-            <a:r>
-              <a:rPr lang="it-IT" sz="1400" dirty="0" smtClean="0">
+              <a:t>command handling from the </a:t>
+            </a:r>
+            <a:r>
+              <a:rPr lang="en-US" sz="2000" i="1" dirty="0" smtClean="0">
                 <a:solidFill>
-                  <a:srgbClr val="999999"/>
+                  <a:srgbClr val="FFFFFF"/>
                 </a:solidFill>
+                <a:latin typeface="Nunito Sans"/>
+                <a:ea typeface="Nunito Sans"/>
+                <a:cs typeface="Nunito Sans"/>
+                <a:sym typeface="Nunito Sans"/>
               </a:rPr>
-              <a:t>initTaskName(): initialize the label and the task name input form</a:t>
-            </a:r>
-          </a:p>
-          <a:p>
-            <a:pPr marL="285750" lvl="1" indent="-285750">
-              <a:buFont typeface="Arial" panose="020B0604020202020204" pitchFamily="34" charset="0"/>
-              <a:buChar char="•"/>
-            </a:pPr>
-            <a:r>
-              <a:rPr lang="it-IT" sz="1400" dirty="0" smtClean="0">
-                <a:solidFill>
-                  <a:srgbClr val="999999"/>
-                </a:solidFill>
-              </a:rPr>
-              <a:t>initTimer(): initialize the timer</a:t>
-            </a:r>
-          </a:p>
-          <a:p>
-            <a:pPr marL="285750" lvl="1" indent="-285750">
-              <a:buFont typeface="Arial" panose="020B0604020202020204" pitchFamily="34" charset="0"/>
-              <a:buChar char="•"/>
-            </a:pPr>
-            <a:r>
-              <a:rPr lang="it-IT" sz="1400" dirty="0" smtClean="0">
-                <a:solidFill>
-                  <a:srgbClr val="999999"/>
-                </a:solidFill>
-              </a:rPr>
-              <a:t>initButtons(): initialize the action buttons</a:t>
-            </a:r>
-          </a:p>
-          <a:p>
-            <a:pPr marL="285750" lvl="1" indent="-285750">
-              <a:buFont typeface="Arial" panose="020B0604020202020204" pitchFamily="34" charset="0"/>
-              <a:buChar char="•"/>
-            </a:pPr>
-            <a:r>
-              <a:rPr lang="it-IT" sz="1400" dirty="0" smtClean="0">
-                <a:solidFill>
-                  <a:srgbClr val="999999"/>
-                </a:solidFill>
-              </a:rPr>
-              <a:t>initShortcut(): link CTRL+L to the log menu</a:t>
-            </a:r>
-          </a:p>
-        </p:txBody>
-      </p:sp>
-      <p:sp>
-        <p:nvSpPr>
-          <p:cNvPr id="123" name="Shape 123"/>
-          <p:cNvSpPr txBox="1">
-            <a:spLocks noGrp="1"/>
-          </p:cNvSpPr>
-          <p:nvPr>
-            <p:ph type="sldNum" idx="12"/>
-          </p:nvPr>
-        </p:nvSpPr>
-        <p:spPr>
-          <a:xfrm>
-            <a:off x="8556784" y="4749851"/>
-            <a:ext cx="548700" cy="393600"/>
-          </a:xfrm>
-          <a:prstGeom prst="rect">
-            <a:avLst/>
-          </a:prstGeom>
-        </p:spPr>
-        <p:txBody>
-          <a:bodyPr wrap="square" lIns="91425" tIns="91425" rIns="91425" bIns="91425" anchor="ctr" anchorCtr="0">
-            <a:noAutofit/>
-          </a:bodyPr>
-          <a:lstStyle/>
-          <a:p>
-            <a:pPr marL="0" lvl="0" indent="0">
-              <a:spcBef>
-                <a:spcPts val="0"/>
-              </a:spcBef>
-              <a:buNone/>
-            </a:pPr>
-            <a:fld id="{00000000-1234-1234-1234-123412341234}" type="slidenum">
-              <a:rPr lang="en"/>
-              <a:t>3</a:t>
-            </a:fld>
-            <a:endParaRPr lang="en"/>
-          </a:p>
-        </p:txBody>
-      </p:sp>
-      <p:sp>
-        <p:nvSpPr>
-          <p:cNvPr id="124" name="Shape 124"/>
-          <p:cNvSpPr txBox="1">
-            <a:spLocks noGrp="1"/>
-          </p:cNvSpPr>
-          <p:nvPr>
-            <p:ph type="subTitle" idx="1"/>
-          </p:nvPr>
-        </p:nvSpPr>
-        <p:spPr>
-          <a:xfrm>
-            <a:off x="646573" y="1914945"/>
-            <a:ext cx="3246900" cy="2126400"/>
-          </a:xfrm>
-          <a:prstGeom prst="rect">
-            <a:avLst/>
-          </a:prstGeom>
-        </p:spPr>
-        <p:txBody>
-          <a:bodyPr wrap="square" lIns="91425" tIns="91425" rIns="91425" bIns="91425" anchor="t" anchorCtr="0">
-            <a:noAutofit/>
-          </a:bodyPr>
-          <a:lstStyle/>
-          <a:p>
-            <a:pPr marL="0" lvl="0" indent="0">
-              <a:spcBef>
-                <a:spcPts val="0"/>
-              </a:spcBef>
-              <a:buNone/>
-            </a:pPr>
-            <a:r>
-              <a:rPr lang="en" dirty="0" smtClean="0"/>
-              <a:t>Create the TK UI for the Pomodoro Timer Apps</a:t>
-            </a:r>
-            <a:endParaRPr lang="en" dirty="0"/>
+              <a:t>data storage and from the data visualization</a:t>
+            </a:r>
+            <a:endParaRPr lang="en" sz="2000" i="1" dirty="0">
+              <a:solidFill>
+                <a:srgbClr val="FFFFFF"/>
+              </a:solidFill>
+              <a:latin typeface="Nunito Sans"/>
+              <a:ea typeface="Nunito Sans"/>
+              <a:cs typeface="Nunito Sans"/>
+              <a:sym typeface="Nunito Sans"/>
+            </a:endParaRPr>
           </a:p>
         </p:txBody>
       </p:sp>
       <p:pic>
         <p:nvPicPr>
-          <p:cNvPr id="6" name="Picture 2" descr="https://upload.wikimedia.org/wikipedia/commons/thumb/a/a0/MVC-Process.svg/500px-MVC-Process.svg.png"/>
+          <p:cNvPr id="5" name="Picture 2" descr="https://upload.wikimedia.org/wikipedia/commons/thumb/a/a0/MVC-Process.svg/500px-MVC-Process.svg.png"/>
           <p:cNvPicPr>
             <a:picLocks noChangeAspect="1" noChangeArrowheads="1"/>
           </p:cNvPicPr>
@@ -6146,8 +6425,8 @@
         </p:blipFill>
         <p:spPr bwMode="auto">
           <a:xfrm>
-            <a:off x="3392156" y="1773210"/>
-            <a:ext cx="2706037" cy="2976641"/>
+            <a:off x="2872462" y="1339034"/>
+            <a:ext cx="3396770" cy="3736447"/>
           </a:xfrm>
           <a:prstGeom prst="rect">
             <a:avLst/>
@@ -6167,13 +6446,20 @@
     </p:spTree>
     <p:extLst>
       <p:ext uri="{BB962C8B-B14F-4D97-AF65-F5344CB8AC3E}">
-        <p14:creationId xmlns:p14="http://schemas.microsoft.com/office/powerpoint/2010/main" val="2806884276"/>
+        <p14:creationId xmlns:p14="http://schemas.microsoft.com/office/powerpoint/2010/main" val="1012710642"/>
       </p:ext>
     </p:extLst>
   </p:cSld>
   <p:clrMapOvr>
     <a:masterClrMapping/>
   </p:clrMapOvr>
+  <p:timing>
+    <p:tnLst>
+      <p:par>
+        <p:cTn id="1" dur="indefinite" restart="never" nodeType="tmRoot"/>
+      </p:par>
+    </p:tnLst>
+  </p:timing>
 </p:sld>
 </file>
 
@@ -6227,7 +6513,7 @@
             </a:pPr>
             <a:r>
               <a:rPr lang="en" dirty="0" smtClean="0"/>
-              <a:t>Config</a:t>
+              <a:t>Event Dispatcher</a:t>
             </a:r>
             <a:endParaRPr lang="en" dirty="0"/>
           </a:p>
@@ -6264,9 +6550,43 @@
                 <a:latin typeface="Microsoft YaHei" panose="020B0503020204020204" pitchFamily="34" charset="-122"/>
                 <a:ea typeface="Microsoft YaHei" panose="020B0503020204020204" pitchFamily="34" charset="-122"/>
               </a:rPr>
-              <a:t>config.json file</a:t>
+              <a:t>Event</a:t>
+            </a:r>
+            <a:r>
+              <a:rPr lang="it-IT" dirty="0" smtClean="0"/>
+              <a:t>(.): </a:t>
             </a:r>
             <a:endParaRPr lang="it-IT" dirty="0" smtClean="0"/>
+          </a:p>
+          <a:p>
+            <a:pPr marL="285750" lvl="1" indent="-285750">
+              <a:buFont typeface="Arial" panose="020B0604020202020204" pitchFamily="34" charset="0"/>
+              <a:buChar char="•"/>
+            </a:pPr>
+            <a:r>
+              <a:rPr lang="it-IT" dirty="0" smtClean="0"/>
+              <a:t>attach(): link a listener function to the event. The function will be called to handle the new event notification</a:t>
+            </a:r>
+            <a:endParaRPr lang="it-IT" dirty="0" smtClean="0"/>
+          </a:p>
+          <a:p>
+            <a:pPr marL="285750" lvl="1" indent="-285750">
+              <a:buFont typeface="Arial" panose="020B0604020202020204" pitchFamily="34" charset="0"/>
+              <a:buChar char="•"/>
+            </a:pPr>
+            <a:r>
+              <a:rPr lang="it-IT" sz="1400" dirty="0" smtClean="0">
+                <a:solidFill>
+                  <a:srgbClr val="999999"/>
+                </a:solidFill>
+              </a:rPr>
+              <a:t>notify(): notify all the listener that a new event has happend</a:t>
+            </a:r>
+            <a:endParaRPr lang="it-IT" sz="1400" dirty="0" smtClean="0">
+              <a:solidFill>
+                <a:srgbClr val="999999"/>
+              </a:solidFill>
+            </a:endParaRPr>
           </a:p>
         </p:txBody>
       </p:sp>
@@ -6342,39 +6662,24 @@
             </a:pPr>
             <a:r>
               <a:rPr lang="en" dirty="0" smtClean="0"/>
-              <a:t>Parse the JSON file and store it on internal dictionary</a:t>
-            </a:r>
+              <a:t>Events are used to send information between SW components</a:t>
+            </a:r>
+          </a:p>
+          <a:p>
+            <a:pPr marL="0" lvl="0" indent="0">
+              <a:spcBef>
+                <a:spcPts val="0"/>
+              </a:spcBef>
+              <a:buNone/>
+            </a:pPr>
             <a:endParaRPr lang="en" dirty="0"/>
           </a:p>
         </p:txBody>
       </p:sp>
-      <p:pic>
-        <p:nvPicPr>
-          <p:cNvPr id="2" name="Picture 1"/>
-          <p:cNvPicPr>
-            <a:picLocks noChangeAspect="1"/>
-          </p:cNvPicPr>
-          <p:nvPr/>
-        </p:nvPicPr>
-        <p:blipFill rotWithShape="1">
-          <a:blip r:embed="rId3"/>
-          <a:srcRect b="5874"/>
-          <a:stretch/>
-        </p:blipFill>
-        <p:spPr>
-          <a:xfrm>
-            <a:off x="4917641" y="885276"/>
-            <a:ext cx="3124200" cy="2456560"/>
-          </a:xfrm>
-          <a:prstGeom prst="rect">
-            <a:avLst/>
-          </a:prstGeom>
-        </p:spPr>
-      </p:pic>
     </p:spTree>
     <p:extLst>
       <p:ext uri="{BB962C8B-B14F-4D97-AF65-F5344CB8AC3E}">
-        <p14:creationId xmlns:p14="http://schemas.microsoft.com/office/powerpoint/2010/main" val="1960527997"/>
+        <p14:creationId xmlns:p14="http://schemas.microsoft.com/office/powerpoint/2010/main" val="2806884276"/>
       </p:ext>
     </p:extLst>
   </p:cSld>
@@ -6434,7 +6739,15 @@
             </a:pPr>
             <a:r>
               <a:rPr lang="en" dirty="0" smtClean="0"/>
-              <a:t>Log Window</a:t>
+              <a:t>T</a:t>
+            </a:r>
+            <a:r>
+              <a:rPr lang="it-IT" dirty="0" smtClean="0"/>
+              <a:t>a</a:t>
+            </a:r>
+            <a:r>
+              <a:rPr lang="en" dirty="0" smtClean="0"/>
+              <a:t>sk Model</a:t>
             </a:r>
             <a:endParaRPr lang="en" dirty="0"/>
           </a:p>
@@ -6471,23 +6784,13 @@
                 <a:latin typeface="Microsoft YaHei" panose="020B0503020204020204" pitchFamily="34" charset="-122"/>
                 <a:ea typeface="Microsoft YaHei" panose="020B0503020204020204" pitchFamily="34" charset="-122"/>
               </a:rPr>
-              <a:t>__</a:t>
-            </a:r>
-            <a:r>
-              <a:rPr lang="it-IT" dirty="0" smtClean="0"/>
-              <a:t>init</a:t>
-            </a:r>
-            <a:r>
-              <a:rPr lang="it-IT" dirty="0" smtClean="0">
-                <a:latin typeface="Microsoft YaHei UI" panose="020B0503020204020204" pitchFamily="34" charset="-122"/>
-                <a:ea typeface="Microsoft YaHei UI" panose="020B0503020204020204" pitchFamily="34" charset="-122"/>
-              </a:rPr>
-              <a:t>__</a:t>
+              <a:t>TaskModel</a:t>
             </a:r>
             <a:r>
               <a:rPr lang="it-IT" dirty="0" smtClean="0"/>
               <a:t>(.): </a:t>
             </a:r>
+            <a:endParaRPr lang="it-IT" dirty="0" smtClean="0"/>
           </a:p>
           <a:p>
             <a:pPr marL="285750" lvl="1" indent="-285750">
@@ -6496,40 +6799,22 @@
             </a:pPr>
             <a:r>
               <a:rPr lang="it-IT" dirty="0" smtClean="0"/>
-              <a:t>initNotebook(): initialize the log window as a notebook</a:t>
-            </a:r>
-            <a:endParaRPr lang="it-IT" dirty="0"/>
+              <a:t>addTask(): add a new Task</a:t>
+            </a:r>
+            <a:endParaRPr lang="it-IT" dirty="0" smtClean="0"/>
           </a:p>
           <a:p>
             <a:pPr marL="285750" lvl="1" indent="-285750">
               <a:buFont typeface="Arial" panose="020B0604020202020204" pitchFamily="34" charset="0"/>
               <a:buChar char="•"/>
             </a:pPr>
-            <a:r>
-              <a:rPr lang="it-IT" dirty="0"/>
-              <a:t>addTab(): </a:t>
-            </a:r>
-            <a:r>
-              <a:rPr lang="it-IT" dirty="0" smtClean="0"/>
-              <a:t>add a tab into the notebook for each date</a:t>
-            </a:r>
-          </a:p>
-          <a:p>
-            <a:pPr marL="285750" lvl="1" indent="-285750">
-              <a:buFont typeface="Arial" panose="020B0604020202020204" pitchFamily="34" charset="0"/>
-              <a:buChar char="•"/>
-            </a:pPr>
-            <a:r>
-              <a:rPr lang="it-IT" dirty="0" smtClean="0"/>
-              <a:t>queryDates</a:t>
-            </a:r>
             <a:r>
               <a:rPr lang="it-IT" sz="1400" dirty="0" smtClean="0">
                 <a:solidFill>
                   <a:srgbClr val="999999"/>
                 </a:solidFill>
               </a:rPr>
-              <a:t>(): query all the dates into the dB</a:t>
+              <a:t>getTask(): return the Task data</a:t>
             </a:r>
           </a:p>
           <a:p>
@@ -6538,17 +6823,87 @@
               <a:buChar char="•"/>
             </a:pPr>
             <a:r>
+              <a:rPr lang="it-IT" dirty="0"/>
+              <a:t>setSelectedTask(): </a:t>
+            </a:r>
+            <a:r>
               <a:rPr lang="it-IT" dirty="0" smtClean="0"/>
-              <a:t>queryTasks</a:t>
-            </a:r>
-            <a:r>
-              <a:rPr lang="it-IT" sz="1400" dirty="0" smtClean="0">
-                <a:solidFill>
-                  <a:srgbClr val="999999"/>
-                </a:solidFill>
-              </a:rPr>
-              <a:t>(): query all the task into the dB</a:t>
-            </a:r>
+              <a:t>set a Task as selected</a:t>
+            </a:r>
+            <a:endParaRPr lang="it-IT" dirty="0"/>
+          </a:p>
+          <a:p>
+            <a:pPr marL="285750" lvl="1" indent="-285750">
+              <a:buFont typeface="Arial" panose="020B0604020202020204" pitchFamily="34" charset="0"/>
+              <a:buChar char="•"/>
+            </a:pPr>
+            <a:r>
+              <a:rPr lang="it-IT" dirty="0" smtClean="0"/>
+              <a:t>unselectedTask(): </a:t>
+            </a:r>
+            <a:r>
+              <a:rPr lang="it-IT" dirty="0"/>
+              <a:t>set a Task as </a:t>
+            </a:r>
+            <a:r>
+              <a:rPr lang="it-IT" dirty="0" smtClean="0"/>
+              <a:t>unselected</a:t>
+            </a:r>
+            <a:endParaRPr lang="it-IT" dirty="0"/>
+          </a:p>
+          <a:p>
+            <a:pPr marL="285750" lvl="1" indent="-285750">
+              <a:buFont typeface="Arial" panose="020B0604020202020204" pitchFamily="34" charset="0"/>
+              <a:buChar char="•"/>
+            </a:pPr>
+            <a:r>
+              <a:rPr lang="it-IT" dirty="0"/>
+              <a:t>setTasksAsCompleted(): </a:t>
+            </a:r>
+            <a:r>
+              <a:rPr lang="it-IT" dirty="0" smtClean="0"/>
+              <a:t>set all selected Tasks as completed</a:t>
+            </a:r>
+            <a:endParaRPr lang="it-IT" dirty="0"/>
+          </a:p>
+          <a:p>
+            <a:pPr marL="285750" lvl="1" indent="-285750">
+              <a:buFont typeface="Arial" panose="020B0604020202020204" pitchFamily="34" charset="0"/>
+              <a:buChar char="•"/>
+            </a:pPr>
+            <a:r>
+              <a:rPr lang="it-IT" dirty="0" smtClean="0"/>
+              <a:t>deleteTasks(): delete all selected Tasks</a:t>
+            </a:r>
+          </a:p>
+          <a:p>
+            <a:pPr marL="285750" lvl="1" indent="-285750">
+              <a:buFont typeface="Arial" panose="020B0604020202020204" pitchFamily="34" charset="0"/>
+              <a:buChar char="•"/>
+            </a:pPr>
+            <a:r>
+              <a:rPr lang="it-IT" dirty="0" smtClean="0"/>
+              <a:t>validateTask(): validate and decore a Task based on its name</a:t>
+            </a:r>
+            <a:endParaRPr lang="it-IT" dirty="0"/>
+          </a:p>
+          <a:p>
+            <a:pPr marL="285750" lvl="1" indent="-285750">
+              <a:buFont typeface="Arial" panose="020B0604020202020204" pitchFamily="34" charset="0"/>
+              <a:buChar char="•"/>
+            </a:pPr>
+            <a:endParaRPr lang="it-IT" dirty="0"/>
+          </a:p>
+          <a:p>
+            <a:pPr marL="285750" lvl="1" indent="-285750">
+              <a:buFont typeface="Arial" panose="020B0604020202020204" pitchFamily="34" charset="0"/>
+              <a:buChar char="•"/>
+            </a:pPr>
+            <a:endParaRPr lang="it-IT" sz="1400" dirty="0" smtClean="0">
+              <a:solidFill>
+                <a:srgbClr val="999999"/>
+              </a:solidFill>
+            </a:endParaRPr>
           </a:p>
         </p:txBody>
       </p:sp>
@@ -6624,8 +6979,16 @@
             </a:pPr>
             <a:r>
               <a:rPr lang="en" dirty="0" smtClean="0"/>
-              <a:t>Create the Log Window</a:t>
-            </a:r>
+              <a:t>Store and handle all the information of the Task List</a:t>
+            </a:r>
+          </a:p>
+          <a:p>
+            <a:pPr marL="0" lvl="0" indent="0">
+              <a:spcBef>
+                <a:spcPts val="0"/>
+              </a:spcBef>
+              <a:buNone/>
+            </a:pPr>
             <a:endParaRPr lang="en" dirty="0"/>
           </a:p>
         </p:txBody>
@@ -6633,7 +6996,7 @@
     </p:spTree>
     <p:extLst>
       <p:ext uri="{BB962C8B-B14F-4D97-AF65-F5344CB8AC3E}">
-        <p14:creationId xmlns:p14="http://schemas.microsoft.com/office/powerpoint/2010/main" val="630600148"/>
+        <p14:creationId xmlns:p14="http://schemas.microsoft.com/office/powerpoint/2010/main" val="2231043243"/>
       </p:ext>
     </p:extLst>
   </p:cSld>
@@ -6693,7 +7056,15 @@
             </a:pPr>
             <a:r>
               <a:rPr lang="en" dirty="0" smtClean="0"/>
-              <a:t>Counting Thread</a:t>
+              <a:t>T</a:t>
+            </a:r>
+            <a:r>
+              <a:rPr lang="it-IT" dirty="0" smtClean="0"/>
+              <a:t>a</a:t>
+            </a:r>
+            <a:r>
+              <a:rPr lang="en" dirty="0" smtClean="0"/>
+              <a:t>sk Viewer</a:t>
             </a:r>
             <a:endParaRPr lang="en" dirty="0"/>
           </a:p>
@@ -6726,16 +7097,128 @@
           <a:p>
             <a:pPr marL="457200" lvl="0" indent="-342900"/>
             <a:r>
-              <a:rPr lang="it-IT" smtClean="0">
+              <a:rPr lang="it-IT" dirty="0" smtClean="0">
                 <a:latin typeface="Microsoft YaHei" panose="020B0503020204020204" pitchFamily="34" charset="-122"/>
                 <a:ea typeface="Microsoft YaHei" panose="020B0503020204020204" pitchFamily="34" charset="-122"/>
               </a:rPr>
-              <a:t>run</a:t>
-            </a:r>
-            <a:r>
-              <a:rPr lang="it-IT" smtClean="0"/>
-              <a:t>(.) start the count down</a:t>
-            </a:r>
+              <a:t>TaskView</a:t>
+            </a:r>
+            <a:r>
+              <a:rPr lang="it-IT" dirty="0" smtClean="0"/>
+              <a:t>(.): </a:t>
+            </a:r>
+            <a:endParaRPr lang="it-IT" dirty="0" smtClean="0"/>
+          </a:p>
+          <a:p>
+            <a:pPr marL="285750" lvl="1" indent="-285750">
+              <a:buFont typeface="Arial" panose="020B0604020202020204" pitchFamily="34" charset="0"/>
+              <a:buChar char="•"/>
+            </a:pPr>
+            <a:r>
+              <a:rPr lang="it-IT" dirty="0" smtClean="0"/>
+              <a:t>init(): initialize the Viewer parts</a:t>
+            </a:r>
+            <a:endParaRPr lang="it-IT" dirty="0" smtClean="0"/>
+          </a:p>
+          <a:p>
+            <a:pPr marL="285750" lvl="1" indent="-285750">
+              <a:buFont typeface="Arial" panose="020B0604020202020204" pitchFamily="34" charset="0"/>
+              <a:buChar char="•"/>
+            </a:pPr>
+            <a:r>
+              <a:rPr lang="it-IT" sz="1400" dirty="0" smtClean="0">
+                <a:solidFill>
+                  <a:srgbClr val="999999"/>
+                </a:solidFill>
+              </a:rPr>
+              <a:t>addTaskButton(): notify the Add Button </a:t>
+            </a:r>
+            <a:r>
+              <a:rPr lang="it-IT" dirty="0"/>
+              <a:t>press Event</a:t>
+            </a:r>
+          </a:p>
+          <a:p>
+            <a:pPr marL="285750" lvl="1" indent="-285750">
+              <a:buFont typeface="Arial" panose="020B0604020202020204" pitchFamily="34" charset="0"/>
+              <a:buChar char="•"/>
+            </a:pPr>
+            <a:r>
+              <a:rPr lang="it-IT" dirty="0" smtClean="0"/>
+              <a:t>completeTaskButton</a:t>
+            </a:r>
+            <a:r>
+              <a:rPr lang="it-IT" dirty="0"/>
+              <a:t>(): notify the </a:t>
+            </a:r>
+            <a:r>
+              <a:rPr lang="it-IT" dirty="0" smtClean="0"/>
+              <a:t>Complete Button </a:t>
+            </a:r>
+            <a:r>
+              <a:rPr lang="it-IT" dirty="0"/>
+              <a:t>press Event</a:t>
+            </a:r>
+          </a:p>
+          <a:p>
+            <a:pPr marL="285750" lvl="1" indent="-285750">
+              <a:buFont typeface="Arial" panose="020B0604020202020204" pitchFamily="34" charset="0"/>
+              <a:buChar char="•"/>
+            </a:pPr>
+            <a:r>
+              <a:rPr lang="it-IT" dirty="0" smtClean="0"/>
+              <a:t>deleteTaskButton(): </a:t>
+            </a:r>
+            <a:r>
+              <a:rPr lang="it-IT" dirty="0"/>
+              <a:t>notify the </a:t>
+            </a:r>
+            <a:r>
+              <a:rPr lang="it-IT" dirty="0" smtClean="0"/>
+              <a:t>Delete Button </a:t>
+            </a:r>
+            <a:r>
+              <a:rPr lang="it-IT" dirty="0"/>
+              <a:t>press </a:t>
+            </a:r>
+            <a:r>
+              <a:rPr lang="it-IT" dirty="0" smtClean="0"/>
+              <a:t>Event</a:t>
+            </a:r>
+          </a:p>
+          <a:p>
+            <a:pPr marL="285750" lvl="1" indent="-285750">
+              <a:buFont typeface="Arial" panose="020B0604020202020204" pitchFamily="34" charset="0"/>
+              <a:buChar char="•"/>
+            </a:pPr>
+            <a:r>
+              <a:rPr lang="it-IT" dirty="0" smtClean="0"/>
+              <a:t>selectOrUnselectTask(): notify the Select or Unselct Event</a:t>
+            </a:r>
+          </a:p>
+          <a:p>
+            <a:pPr marL="285750" lvl="1" indent="-285750">
+              <a:buFont typeface="Arial" panose="020B0604020202020204" pitchFamily="34" charset="0"/>
+              <a:buChar char="•"/>
+            </a:pPr>
+            <a:r>
+              <a:rPr lang="it-IT" dirty="0" smtClean="0"/>
+              <a:t>buildList(): create and show the Task List</a:t>
+            </a:r>
+            <a:endParaRPr lang="it-IT" dirty="0"/>
+          </a:p>
+          <a:p>
+            <a:pPr marL="285750" lvl="1" indent="-285750">
+              <a:buFont typeface="Arial" panose="020B0604020202020204" pitchFamily="34" charset="0"/>
+              <a:buChar char="•"/>
+            </a:pPr>
+            <a:endParaRPr lang="it-IT" dirty="0"/>
+          </a:p>
+          <a:p>
+            <a:pPr marL="285750" lvl="1" indent="-285750">
+              <a:buFont typeface="Arial" panose="020B0604020202020204" pitchFamily="34" charset="0"/>
+              <a:buChar char="•"/>
+            </a:pPr>
             <a:endParaRPr lang="it-IT" sz="1400" dirty="0" smtClean="0">
               <a:solidFill>
                 <a:srgbClr val="999999"/>
@@ -6816,7 +7299,7 @@
             </a:pPr>
             <a:r>
               <a:rPr lang="en" dirty="0" smtClean="0"/>
-              <a:t>Thread that perform the timer count down and update the Pomodore App window</a:t>
+              <a:t>Show the Task List on the Web Page</a:t>
             </a:r>
             <a:endParaRPr lang="en" dirty="0"/>
           </a:p>
@@ -6825,7 +7308,331 @@
     </p:spTree>
     <p:extLst>
       <p:ext uri="{BB962C8B-B14F-4D97-AF65-F5344CB8AC3E}">
-        <p14:creationId xmlns:p14="http://schemas.microsoft.com/office/powerpoint/2010/main" val="905393165"/>
+        <p14:creationId xmlns:p14="http://schemas.microsoft.com/office/powerpoint/2010/main" val="3008947216"/>
+      </p:ext>
+    </p:extLst>
+  </p:cSld>
+  <p:clrMapOvr>
+    <a:masterClrMapping/>
+  </p:clrMapOvr>
+</p:sld>
+</file>
+
+<file path=ppt/slides/slide7.xml><?xml version="1.0" encoding="utf-8"?>
+<p:sld xmlns:a="http://schemas.openxmlformats.org/drawingml/2006/main" xmlns:r="http://schemas.openxmlformats.org/officeDocument/2006/relationships" xmlns:p="http://schemas.openxmlformats.org/presentationml/2006/main">
+  <p:cSld>
+    <p:spTree>
+      <p:nvGrpSpPr>
+        <p:cNvPr id="1" name="Shape 120"/>
+        <p:cNvGrpSpPr/>
+        <p:nvPr/>
+      </p:nvGrpSpPr>
+      <p:grpSpPr>
+        <a:xfrm>
+          <a:off x="0" y="0"/>
+          <a:ext cx="0" cy="0"/>
+          <a:chOff x="0" y="0"/>
+          <a:chExt cx="0" cy="0"/>
+        </a:xfrm>
+      </p:grpSpPr>
+      <p:sp>
+        <p:nvSpPr>
+          <p:cNvPr id="121" name="Shape 121"/>
+          <p:cNvSpPr txBox="1">
+            <a:spLocks noGrp="1"/>
+          </p:cNvSpPr>
+          <p:nvPr>
+            <p:ph type="title"/>
+          </p:nvPr>
+        </p:nvSpPr>
+        <p:spPr>
+          <a:xfrm>
+            <a:off x="646573" y="1016000"/>
+            <a:ext cx="3246900" cy="973500"/>
+          </a:xfrm>
+          <a:prstGeom prst="rect">
+            <a:avLst/>
+          </a:prstGeom>
+        </p:spPr>
+        <p:txBody>
+          <a:bodyPr wrap="square" lIns="91425" tIns="91425" rIns="91425" bIns="91425" anchor="t" anchorCtr="0">
+            <a:noAutofit/>
+          </a:bodyPr>
+          <a:lstStyle/>
+          <a:p>
+            <a:pPr marL="0" lvl="0" indent="0">
+              <a:spcBef>
+                <a:spcPts val="0"/>
+              </a:spcBef>
+              <a:buNone/>
+            </a:pPr>
+            <a:r>
+              <a:rPr lang="en" dirty="0" smtClean="0"/>
+              <a:t>T</a:t>
+            </a:r>
+            <a:r>
+              <a:rPr lang="it-IT" dirty="0" smtClean="0"/>
+              <a:t>a</a:t>
+            </a:r>
+            <a:r>
+              <a:rPr lang="en" dirty="0" smtClean="0"/>
+              <a:t>sk Controller</a:t>
+            </a:r>
+            <a:endParaRPr lang="en" dirty="0"/>
+          </a:p>
+        </p:txBody>
+      </p:sp>
+      <p:sp>
+        <p:nvSpPr>
+          <p:cNvPr id="122" name="Shape 122"/>
+          <p:cNvSpPr txBox="1">
+            <a:spLocks noGrp="1"/>
+          </p:cNvSpPr>
+          <p:nvPr>
+            <p:ph type="body" idx="2"/>
+          </p:nvPr>
+        </p:nvSpPr>
+        <p:spPr>
+          <a:xfrm>
+            <a:off x="4512794" y="364994"/>
+            <a:ext cx="4526906" cy="4489877"/>
+          </a:xfrm>
+          <a:prstGeom prst="rect">
+            <a:avLst/>
+          </a:prstGeom>
+        </p:spPr>
+        <p:txBody>
+          <a:bodyPr wrap="square" lIns="91425" tIns="91425" rIns="91425" bIns="91425" anchor="t" anchorCtr="0">
+            <a:noAutofit/>
+          </a:bodyPr>
+          <a:lstStyle/>
+          <a:p>
+            <a:pPr marL="457200" lvl="0" indent="-342900"/>
+            <a:r>
+              <a:rPr lang="it-IT" dirty="0" smtClean="0">
+                <a:latin typeface="Microsoft YaHei" panose="020B0503020204020204" pitchFamily="34" charset="-122"/>
+                <a:ea typeface="Microsoft YaHei" panose="020B0503020204020204" pitchFamily="34" charset="-122"/>
+              </a:rPr>
+              <a:t>TaskController</a:t>
+            </a:r>
+            <a:r>
+              <a:rPr lang="it-IT" dirty="0" smtClean="0"/>
+              <a:t>(.): </a:t>
+            </a:r>
+            <a:endParaRPr lang="it-IT" dirty="0" smtClean="0"/>
+          </a:p>
+          <a:p>
+            <a:pPr marL="285750" lvl="1" indent="-285750">
+              <a:buFont typeface="Arial" panose="020B0604020202020204" pitchFamily="34" charset="0"/>
+              <a:buChar char="•"/>
+            </a:pPr>
+            <a:r>
+              <a:rPr lang="it-IT" dirty="0" smtClean="0"/>
+              <a:t>init(): initialize the Controller parts</a:t>
+            </a:r>
+            <a:endParaRPr lang="it-IT" dirty="0" smtClean="0"/>
+          </a:p>
+          <a:p>
+            <a:pPr marL="285750" lvl="1" indent="-285750">
+              <a:buFont typeface="Arial" panose="020B0604020202020204" pitchFamily="34" charset="0"/>
+              <a:buChar char="•"/>
+            </a:pPr>
+            <a:r>
+              <a:rPr lang="it-IT" sz="1400" dirty="0" smtClean="0">
+                <a:solidFill>
+                  <a:srgbClr val="999999"/>
+                </a:solidFill>
+              </a:rPr>
+              <a:t>addTask(): handle Add </a:t>
+            </a:r>
+            <a:r>
+              <a:rPr lang="it-IT" dirty="0" smtClean="0"/>
+              <a:t>Event updating the Model</a:t>
+            </a:r>
+            <a:endParaRPr lang="it-IT" dirty="0"/>
+          </a:p>
+          <a:p>
+            <a:pPr marL="285750" lvl="1" indent="-285750">
+              <a:buFont typeface="Arial" panose="020B0604020202020204" pitchFamily="34" charset="0"/>
+              <a:buChar char="•"/>
+            </a:pPr>
+            <a:r>
+              <a:rPr lang="it-IT" dirty="0" smtClean="0"/>
+              <a:t>selectTask():</a:t>
+            </a:r>
+            <a:r>
+              <a:rPr lang="en-US" dirty="0"/>
+              <a:t> handle Add Event updating the Model</a:t>
+            </a:r>
+            <a:endParaRPr lang="it-IT" dirty="0"/>
+          </a:p>
+          <a:p>
+            <a:pPr marL="285750" lvl="1" indent="-285750">
+              <a:buFont typeface="Arial" panose="020B0604020202020204" pitchFamily="34" charset="0"/>
+              <a:buChar char="•"/>
+            </a:pPr>
+            <a:r>
+              <a:rPr lang="it-IT" dirty="0" smtClean="0"/>
+              <a:t>unselectTask(): </a:t>
+            </a:r>
+            <a:r>
+              <a:rPr lang="it-IT" sz="1100" dirty="0"/>
+              <a:t> </a:t>
+            </a:r>
+            <a:r>
+              <a:rPr lang="it-IT" dirty="0"/>
+              <a:t>handle Add Event updating the </a:t>
+            </a:r>
+            <a:r>
+              <a:rPr lang="it-IT" dirty="0"/>
+              <a:t>Model</a:t>
+            </a:r>
+          </a:p>
+          <a:p>
+            <a:pPr marL="285750" lvl="1" indent="-285750">
+              <a:buFont typeface="Arial" panose="020B0604020202020204" pitchFamily="34" charset="0"/>
+              <a:buChar char="•"/>
+            </a:pPr>
+            <a:r>
+              <a:rPr lang="it-IT" dirty="0" smtClean="0"/>
+              <a:t>completeTask(): </a:t>
+            </a:r>
+            <a:r>
+              <a:rPr lang="en-US" dirty="0"/>
+              <a:t> </a:t>
+            </a:r>
+            <a:r>
+              <a:rPr lang="en-US"/>
+              <a:t>handle </a:t>
+            </a:r>
+            <a:r>
+              <a:rPr lang="en-US" smtClean="0"/>
+              <a:t>Complete Event </a:t>
+            </a:r>
+            <a:r>
+              <a:rPr lang="en-US" dirty="0"/>
+              <a:t>updating the Model</a:t>
+            </a:r>
+            <a:endParaRPr lang="it-IT" dirty="0" smtClean="0"/>
+          </a:p>
+          <a:p>
+            <a:pPr marL="285750" lvl="1" indent="-285750">
+              <a:buFont typeface="Arial" panose="020B0604020202020204" pitchFamily="34" charset="0"/>
+              <a:buChar char="•"/>
+            </a:pPr>
+            <a:r>
+              <a:rPr lang="it-IT" dirty="0" smtClean="0"/>
+              <a:t>deleteTask(): </a:t>
+            </a:r>
+            <a:r>
+              <a:rPr lang="en-US" dirty="0"/>
+              <a:t> handle </a:t>
+            </a:r>
+            <a:r>
+              <a:rPr lang="en-US" dirty="0" smtClean="0"/>
+              <a:t>Delete Event </a:t>
+            </a:r>
+            <a:r>
+              <a:rPr lang="en-US" dirty="0"/>
+              <a:t>updating the Model</a:t>
+            </a:r>
+            <a:endParaRPr lang="it-IT" dirty="0" smtClean="0"/>
+          </a:p>
+          <a:p>
+            <a:pPr marL="285750" lvl="1" indent="-285750">
+              <a:buFont typeface="Arial" panose="020B0604020202020204" pitchFamily="34" charset="0"/>
+              <a:buChar char="•"/>
+            </a:pPr>
+            <a:endParaRPr lang="it-IT" sz="1400" dirty="0" smtClean="0">
+              <a:solidFill>
+                <a:srgbClr val="999999"/>
+              </a:solidFill>
+            </a:endParaRPr>
+          </a:p>
+        </p:txBody>
+      </p:sp>
+      <p:sp>
+        <p:nvSpPr>
+          <p:cNvPr id="123" name="Shape 123"/>
+          <p:cNvSpPr txBox="1">
+            <a:spLocks noGrp="1"/>
+          </p:cNvSpPr>
+          <p:nvPr>
+            <p:ph type="sldNum" idx="12"/>
+          </p:nvPr>
+        </p:nvSpPr>
+        <p:spPr>
+          <a:xfrm>
+            <a:off x="8556784" y="4749851"/>
+            <a:ext cx="548700" cy="393600"/>
+          </a:xfrm>
+          <a:prstGeom prst="rect">
+            <a:avLst/>
+          </a:prstGeom>
+        </p:spPr>
+        <p:txBody>
+          <a:bodyPr wrap="square" lIns="91425" tIns="91425" rIns="91425" bIns="91425" anchor="ctr" anchorCtr="0">
+            <a:noAutofit/>
+          </a:bodyPr>
+          <a:lstStyle/>
+          <a:p>
+            <a:pPr marL="0" lvl="0" indent="0">
+              <a:spcBef>
+                <a:spcPts val="0"/>
+              </a:spcBef>
+              <a:buNone/>
+            </a:pPr>
+            <a:fld id="{00000000-1234-1234-1234-123412341234}" type="slidenum">
+              <a:rPr lang="en"/>
+              <a:t>7</a:t>
+            </a:fld>
+            <a:endParaRPr lang="en"/>
+          </a:p>
+        </p:txBody>
+      </p:sp>
+      <p:sp>
+        <p:nvSpPr>
+          <p:cNvPr id="124" name="Shape 124"/>
+          <p:cNvSpPr txBox="1">
+            <a:spLocks noGrp="1"/>
+          </p:cNvSpPr>
+          <p:nvPr>
+            <p:ph type="subTitle" idx="1"/>
+          </p:nvPr>
+        </p:nvSpPr>
+        <p:spPr>
+          <a:xfrm>
+            <a:off x="646573" y="1914945"/>
+            <a:ext cx="3246900" cy="2126400"/>
+          </a:xfrm>
+          <a:prstGeom prst="rect">
+            <a:avLst/>
+          </a:prstGeom>
+        </p:spPr>
+        <p:txBody>
+          <a:bodyPr wrap="square" lIns="91425" tIns="91425" rIns="91425" bIns="91425" anchor="t" anchorCtr="0">
+            <a:noAutofit/>
+          </a:bodyPr>
+          <a:lstStyle/>
+          <a:p>
+            <a:pPr marL="0" lvl="0" indent="0">
+              <a:spcBef>
+                <a:spcPts val="0"/>
+              </a:spcBef>
+              <a:buNone/>
+            </a:pPr>
+            <a:r>
+              <a:rPr lang="en" dirty="0" smtClean="0"/>
+              <a:t>Handle the User interaction on the Web Page</a:t>
+            </a:r>
+            <a:endParaRPr lang="en" dirty="0"/>
+          </a:p>
+        </p:txBody>
+      </p:sp>
+    </p:spTree>
+    <p:extLst>
+      <p:ext uri="{BB962C8B-B14F-4D97-AF65-F5344CB8AC3E}">
+        <p14:creationId xmlns:p14="http://schemas.microsoft.com/office/powerpoint/2010/main" val="1816539345"/>
       </p:ext>
     </p:extLst>
   </p:cSld>
